--- a/0 발표용 파워포인트/project06 - 파워포인트 종합 - 현태.pptx
+++ b/0 발표용 파워포인트/project06 - 파워포인트 종합 - 현태.pptx
@@ -5,10 +5,11 @@
     <p:sldMasterId id="2147483648" r:id="rId1"/>
   </p:sldMasterIdLst>
   <p:notesMasterIdLst>
-    <p:notesMasterId r:id="rId3"/>
+    <p:notesMasterId r:id="rId4"/>
   </p:notesMasterIdLst>
   <p:sldIdLst>
     <p:sldId id="256" r:id="rId2"/>
+    <p:sldId id="257" r:id="rId3"/>
   </p:sldIdLst>
   <p:sldSz cx="12192000" cy="6858000"/>
   <p:notesSz cx="6858000" cy="9144000"/>
@@ -209,7 +210,7 @@
             <a:fld id="{EFE7F2A0-C7D9-4DBD-AE3B-C1A712DCE501}" type="datetimeFigureOut">
               <a:rPr lang="ko-KR" altLang="en-US" smtClean="0"/>
               <a:pPr/>
-              <a:t>2020-05-04</a:t>
+              <a:t>2020-05-05</a:t>
             </a:fld>
             <a:endParaRPr lang="ko-KR" altLang="en-US"/>
           </a:p>
@@ -610,7 +611,7 @@
             <a:fld id="{272C3D53-FEDF-49EC-8F65-FFFC138B637E}" type="datetimeFigureOut">
               <a:rPr lang="ko-KR" altLang="en-US" smtClean="0"/>
               <a:pPr/>
-              <a:t>2020-05-04</a:t>
+              <a:t>2020-05-05</a:t>
             </a:fld>
             <a:endParaRPr lang="ko-KR" altLang="en-US"/>
           </a:p>
@@ -782,7 +783,7 @@
             <a:fld id="{272C3D53-FEDF-49EC-8F65-FFFC138B637E}" type="datetimeFigureOut">
               <a:rPr lang="ko-KR" altLang="en-US" smtClean="0"/>
               <a:pPr/>
-              <a:t>2020-05-04</a:t>
+              <a:t>2020-05-05</a:t>
             </a:fld>
             <a:endParaRPr lang="ko-KR" altLang="en-US"/>
           </a:p>
@@ -964,7 +965,7 @@
             <a:fld id="{272C3D53-FEDF-49EC-8F65-FFFC138B637E}" type="datetimeFigureOut">
               <a:rPr lang="ko-KR" altLang="en-US" smtClean="0"/>
               <a:pPr/>
-              <a:t>2020-05-04</a:t>
+              <a:t>2020-05-05</a:t>
             </a:fld>
             <a:endParaRPr lang="ko-KR" altLang="en-US"/>
           </a:p>
@@ -1136,7 +1137,7 @@
             <a:fld id="{272C3D53-FEDF-49EC-8F65-FFFC138B637E}" type="datetimeFigureOut">
               <a:rPr lang="ko-KR" altLang="en-US" smtClean="0"/>
               <a:pPr/>
-              <a:t>2020-05-04</a:t>
+              <a:t>2020-05-05</a:t>
             </a:fld>
             <a:endParaRPr lang="ko-KR" altLang="en-US"/>
           </a:p>
@@ -1384,7 +1385,7 @@
             <a:fld id="{272C3D53-FEDF-49EC-8F65-FFFC138B637E}" type="datetimeFigureOut">
               <a:rPr lang="ko-KR" altLang="en-US" smtClean="0"/>
               <a:pPr/>
-              <a:t>2020-05-04</a:t>
+              <a:t>2020-05-05</a:t>
             </a:fld>
             <a:endParaRPr lang="ko-KR" altLang="en-US"/>
           </a:p>
@@ -1618,7 +1619,7 @@
             <a:fld id="{272C3D53-FEDF-49EC-8F65-FFFC138B637E}" type="datetimeFigureOut">
               <a:rPr lang="ko-KR" altLang="en-US" smtClean="0"/>
               <a:pPr/>
-              <a:t>2020-05-04</a:t>
+              <a:t>2020-05-05</a:t>
             </a:fld>
             <a:endParaRPr lang="ko-KR" altLang="en-US"/>
           </a:p>
@@ -1987,7 +1988,7 @@
             <a:fld id="{272C3D53-FEDF-49EC-8F65-FFFC138B637E}" type="datetimeFigureOut">
               <a:rPr lang="ko-KR" altLang="en-US" smtClean="0"/>
               <a:pPr/>
-              <a:t>2020-05-04</a:t>
+              <a:t>2020-05-05</a:t>
             </a:fld>
             <a:endParaRPr lang="ko-KR" altLang="en-US"/>
           </a:p>
@@ -2107,7 +2108,7 @@
             <a:fld id="{272C3D53-FEDF-49EC-8F65-FFFC138B637E}" type="datetimeFigureOut">
               <a:rPr lang="ko-KR" altLang="en-US" smtClean="0"/>
               <a:pPr/>
-              <a:t>2020-05-04</a:t>
+              <a:t>2020-05-05</a:t>
             </a:fld>
             <a:endParaRPr lang="ko-KR" altLang="en-US"/>
           </a:p>
@@ -2204,7 +2205,7 @@
             <a:fld id="{272C3D53-FEDF-49EC-8F65-FFFC138B637E}" type="datetimeFigureOut">
               <a:rPr lang="ko-KR" altLang="en-US" smtClean="0"/>
               <a:pPr/>
-              <a:t>2020-05-04</a:t>
+              <a:t>2020-05-05</a:t>
             </a:fld>
             <a:endParaRPr lang="ko-KR" altLang="en-US"/>
           </a:p>
@@ -2483,7 +2484,7 @@
             <a:fld id="{272C3D53-FEDF-49EC-8F65-FFFC138B637E}" type="datetimeFigureOut">
               <a:rPr lang="ko-KR" altLang="en-US" smtClean="0"/>
               <a:pPr/>
-              <a:t>2020-05-04</a:t>
+              <a:t>2020-05-05</a:t>
             </a:fld>
             <a:endParaRPr lang="ko-KR" altLang="en-US"/>
           </a:p>
@@ -2738,7 +2739,7 @@
             <a:fld id="{272C3D53-FEDF-49EC-8F65-FFFC138B637E}" type="datetimeFigureOut">
               <a:rPr lang="ko-KR" altLang="en-US" smtClean="0"/>
               <a:pPr/>
-              <a:t>2020-05-04</a:t>
+              <a:t>2020-05-05</a:t>
             </a:fld>
             <a:endParaRPr lang="ko-KR" altLang="en-US"/>
           </a:p>
@@ -2953,7 +2954,7 @@
             <a:fld id="{272C3D53-FEDF-49EC-8F65-FFFC138B637E}" type="datetimeFigureOut">
               <a:rPr lang="ko-KR" altLang="en-US" smtClean="0"/>
               <a:pPr/>
-              <a:t>2020-05-04</a:t>
+              <a:t>2020-05-05</a:t>
             </a:fld>
             <a:endParaRPr lang="ko-KR" altLang="en-US"/>
           </a:p>
@@ -3437,6 +3438,1585 @@
     <p:extLst>
       <p:ext uri="{BB962C8B-B14F-4D97-AF65-F5344CB8AC3E}">
         <p14:creationId xmlns:p14="http://schemas.microsoft.com/office/powerpoint/2010/main" val="465175567"/>
+      </p:ext>
+    </p:extLst>
+  </p:cSld>
+  <p:clrMapOvr>
+    <a:masterClrMapping/>
+  </p:clrMapOvr>
+  <p:timing>
+    <p:tnLst>
+      <p:par>
+        <p:cTn id="1" dur="indefinite" restart="never" nodeType="tmRoot"/>
+      </p:par>
+    </p:tnLst>
+  </p:timing>
+</p:sld>
+</file>
+
+<file path=ppt/slides/slide2.xml><?xml version="1.0" encoding="utf-8"?>
+<p:sld xmlns:a="http://schemas.openxmlformats.org/drawingml/2006/main" xmlns:r="http://schemas.openxmlformats.org/officeDocument/2006/relationships" xmlns:p="http://schemas.openxmlformats.org/presentationml/2006/main">
+  <p:cSld>
+    <p:spTree>
+      <p:nvGrpSpPr>
+        <p:cNvPr id="1" name=""/>
+        <p:cNvGrpSpPr/>
+        <p:nvPr/>
+      </p:nvGrpSpPr>
+      <p:grpSpPr>
+        <a:xfrm>
+          <a:off x="0" y="0"/>
+          <a:ext cx="0" cy="0"/>
+          <a:chOff x="0" y="0"/>
+          <a:chExt cx="0" cy="0"/>
+        </a:xfrm>
+      </p:grpSpPr>
+      <p:sp>
+        <p:nvSpPr>
+          <p:cNvPr id="18" name="직사각형 17"/>
+          <p:cNvSpPr/>
+          <p:nvPr/>
+        </p:nvSpPr>
+        <p:spPr>
+          <a:xfrm rot="21409477">
+            <a:off x="832974" y="128931"/>
+            <a:ext cx="9282799" cy="6218171"/>
+          </a:xfrm>
+          <a:prstGeom prst="rect">
+            <a:avLst/>
+          </a:prstGeom>
+          <a:solidFill>
+            <a:schemeClr val="bg1">
+              <a:lumMod val="95000"/>
+            </a:schemeClr>
+          </a:solidFill>
+          <a:ln>
+            <a:noFill/>
+          </a:ln>
+        </p:spPr>
+        <p:style>
+          <a:lnRef idx="2">
+            <a:schemeClr val="accent1">
+              <a:shade val="50000"/>
+            </a:schemeClr>
+          </a:lnRef>
+          <a:fillRef idx="1">
+            <a:schemeClr val="accent1"/>
+          </a:fillRef>
+          <a:effectRef idx="0">
+            <a:schemeClr val="accent1"/>
+          </a:effectRef>
+          <a:fontRef idx="minor">
+            <a:schemeClr val="lt1"/>
+          </a:fontRef>
+        </p:style>
+        <p:txBody>
+          <a:bodyPr lIns="91440" tIns="45720" rIns="91440" bIns="45720" rtlCol="0" anchor="ctr"/>
+          <a:lstStyle/>
+          <a:p>
+            <a:pPr algn="ctr"/>
+            <a:endParaRPr lang="ko-KR" altLang="en-US" sz="2400"/>
+          </a:p>
+        </p:txBody>
+      </p:sp>
+      <p:sp>
+        <p:nvSpPr>
+          <p:cNvPr id="5" name="직사각형 4"/>
+          <p:cNvSpPr/>
+          <p:nvPr/>
+        </p:nvSpPr>
+        <p:spPr>
+          <a:xfrm>
+            <a:off x="526742" y="260649"/>
+            <a:ext cx="11425909" cy="6392929"/>
+          </a:xfrm>
+          <a:prstGeom prst="rect">
+            <a:avLst/>
+          </a:prstGeom>
+          <a:gradFill flip="none" rotWithShape="1">
+            <a:gsLst>
+              <a:gs pos="100000">
+                <a:schemeClr val="bg1">
+                  <a:shade val="67500"/>
+                  <a:satMod val="115000"/>
+                </a:schemeClr>
+              </a:gs>
+              <a:gs pos="64000">
+                <a:schemeClr val="bg1">
+                  <a:shade val="100000"/>
+                  <a:satMod val="115000"/>
+                </a:schemeClr>
+              </a:gs>
+            </a:gsLst>
+            <a:lin ang="10800000" scaled="1"/>
+            <a:tileRect/>
+          </a:gradFill>
+          <a:ln>
+            <a:noFill/>
+          </a:ln>
+          <a:effectLst>
+            <a:outerShdw blurRad="228600" dist="76200" dir="16200000" rotWithShape="0">
+              <a:prstClr val="black">
+                <a:alpha val="40000"/>
+              </a:prstClr>
+            </a:outerShdw>
+          </a:effectLst>
+        </p:spPr>
+        <p:style>
+          <a:lnRef idx="2">
+            <a:schemeClr val="accent1">
+              <a:shade val="50000"/>
+            </a:schemeClr>
+          </a:lnRef>
+          <a:fillRef idx="1">
+            <a:schemeClr val="accent1"/>
+          </a:fillRef>
+          <a:effectRef idx="0">
+            <a:schemeClr val="accent1"/>
+          </a:effectRef>
+          <a:fontRef idx="minor">
+            <a:schemeClr val="lt1"/>
+          </a:fontRef>
+        </p:style>
+        <p:txBody>
+          <a:bodyPr lIns="91440" tIns="45720" rIns="91440" bIns="45720" rtlCol="0" anchor="ctr"/>
+          <a:lstStyle/>
+          <a:p>
+            <a:pPr algn="ctr"/>
+            <a:endParaRPr lang="ko-KR" altLang="en-US" sz="2400"/>
+          </a:p>
+        </p:txBody>
+      </p:sp>
+      <p:grpSp>
+        <p:nvGrpSpPr>
+          <p:cNvPr id="2" name="그룹 1"/>
+          <p:cNvGrpSpPr/>
+          <p:nvPr/>
+        </p:nvGrpSpPr>
+        <p:grpSpPr>
+          <a:xfrm>
+            <a:off x="143104" y="68627"/>
+            <a:ext cx="768321" cy="6704028"/>
+            <a:chOff x="586490" y="739768"/>
+            <a:chExt cx="1017302" cy="5420168"/>
+          </a:xfrm>
+        </p:grpSpPr>
+        <p:sp>
+          <p:nvSpPr>
+            <p:cNvPr id="39" name="자유형 38"/>
+            <p:cNvSpPr/>
+            <p:nvPr/>
+          </p:nvSpPr>
+          <p:spPr>
+            <a:xfrm rot="10800000">
+              <a:off x="586490" y="1041378"/>
+              <a:ext cx="1017302" cy="4991063"/>
+            </a:xfrm>
+            <a:custGeom>
+              <a:avLst/>
+              <a:gdLst>
+                <a:gd name="connsiteX0" fmla="*/ 194310 w 388620"/>
+                <a:gd name="connsiteY0" fmla="*/ 0 h 2927235"/>
+                <a:gd name="connsiteX1" fmla="*/ 388620 w 388620"/>
+                <a:gd name="connsiteY1" fmla="*/ 194310 h 2927235"/>
+                <a:gd name="connsiteX2" fmla="*/ 388620 w 388620"/>
+                <a:gd name="connsiteY2" fmla="*/ 2927235 h 2927235"/>
+                <a:gd name="connsiteX3" fmla="*/ 379599 w 388620"/>
+                <a:gd name="connsiteY3" fmla="*/ 2898175 h 2927235"/>
+                <a:gd name="connsiteX4" fmla="*/ 194310 w 388620"/>
+                <a:gd name="connsiteY4" fmla="*/ 2775357 h 2927235"/>
+                <a:gd name="connsiteX5" fmla="*/ 9021 w 388620"/>
+                <a:gd name="connsiteY5" fmla="*/ 2898175 h 2927235"/>
+                <a:gd name="connsiteX6" fmla="*/ 0 w 388620"/>
+                <a:gd name="connsiteY6" fmla="*/ 2927235 h 2927235"/>
+                <a:gd name="connsiteX7" fmla="*/ 0 w 388620"/>
+                <a:gd name="connsiteY7" fmla="*/ 194310 h 2927235"/>
+                <a:gd name="connsiteX8" fmla="*/ 194310 w 388620"/>
+                <a:gd name="connsiteY8" fmla="*/ 0 h 2927235"/>
+              </a:gdLst>
+              <a:ahLst/>
+              <a:cxnLst>
+                <a:cxn ang="0">
+                  <a:pos x="connsiteX0" y="connsiteY0"/>
+                </a:cxn>
+                <a:cxn ang="0">
+                  <a:pos x="connsiteX1" y="connsiteY1"/>
+                </a:cxn>
+                <a:cxn ang="0">
+                  <a:pos x="connsiteX2" y="connsiteY2"/>
+                </a:cxn>
+                <a:cxn ang="0">
+                  <a:pos x="connsiteX3" y="connsiteY3"/>
+                </a:cxn>
+                <a:cxn ang="0">
+                  <a:pos x="connsiteX4" y="connsiteY4"/>
+                </a:cxn>
+                <a:cxn ang="0">
+                  <a:pos x="connsiteX5" y="connsiteY5"/>
+                </a:cxn>
+                <a:cxn ang="0">
+                  <a:pos x="connsiteX6" y="connsiteY6"/>
+                </a:cxn>
+                <a:cxn ang="0">
+                  <a:pos x="connsiteX7" y="connsiteY7"/>
+                </a:cxn>
+                <a:cxn ang="0">
+                  <a:pos x="connsiteX8" y="connsiteY8"/>
+                </a:cxn>
+              </a:cxnLst>
+              <a:rect l="l" t="t" r="r" b="b"/>
+              <a:pathLst>
+                <a:path w="388620" h="2927235">
+                  <a:moveTo>
+                    <a:pt x="194310" y="0"/>
+                  </a:moveTo>
+                  <a:cubicBezTo>
+                    <a:pt x="301624" y="0"/>
+                    <a:pt x="388620" y="86996"/>
+                    <a:pt x="388620" y="194310"/>
+                  </a:cubicBezTo>
+                  <a:lnTo>
+                    <a:pt x="388620" y="2927235"/>
+                  </a:lnTo>
+                  <a:lnTo>
+                    <a:pt x="379599" y="2898175"/>
+                  </a:lnTo>
+                  <a:cubicBezTo>
+                    <a:pt x="349072" y="2826000"/>
+                    <a:pt x="277605" y="2775357"/>
+                    <a:pt x="194310" y="2775357"/>
+                  </a:cubicBezTo>
+                  <a:cubicBezTo>
+                    <a:pt x="111015" y="2775357"/>
+                    <a:pt x="39548" y="2826000"/>
+                    <a:pt x="9021" y="2898175"/>
+                  </a:cubicBezTo>
+                  <a:lnTo>
+                    <a:pt x="0" y="2927235"/>
+                  </a:lnTo>
+                  <a:lnTo>
+                    <a:pt x="0" y="194310"/>
+                  </a:lnTo>
+                  <a:cubicBezTo>
+                    <a:pt x="0" y="86996"/>
+                    <a:pt x="86996" y="0"/>
+                    <a:pt x="194310" y="0"/>
+                  </a:cubicBezTo>
+                  <a:close/>
+                </a:path>
+              </a:pathLst>
+            </a:custGeom>
+            <a:gradFill flip="none" rotWithShape="1">
+              <a:gsLst>
+                <a:gs pos="0">
+                  <a:schemeClr val="bg1">
+                    <a:shade val="67500"/>
+                    <a:satMod val="115000"/>
+                  </a:schemeClr>
+                </a:gs>
+                <a:gs pos="100000">
+                  <a:schemeClr val="bg1">
+                    <a:shade val="100000"/>
+                    <a:satMod val="115000"/>
+                  </a:schemeClr>
+                </a:gs>
+              </a:gsLst>
+              <a:lin ang="10800000" scaled="1"/>
+              <a:tileRect/>
+            </a:gradFill>
+            <a:ln>
+              <a:noFill/>
+            </a:ln>
+            <a:effectLst>
+              <a:outerShdw blurRad="88900" dist="139700" dir="5400000" sx="98000" sy="98000" algn="t" rotWithShape="0">
+                <a:prstClr val="black">
+                  <a:alpha val="40000"/>
+                </a:prstClr>
+              </a:outerShdw>
+            </a:effectLst>
+          </p:spPr>
+          <p:style>
+            <a:lnRef idx="2">
+              <a:schemeClr val="accent1">
+                <a:shade val="50000"/>
+              </a:schemeClr>
+            </a:lnRef>
+            <a:fillRef idx="1">
+              <a:schemeClr val="accent1"/>
+            </a:fillRef>
+            <a:effectRef idx="0">
+              <a:schemeClr val="accent1"/>
+            </a:effectRef>
+            <a:fontRef idx="minor">
+              <a:schemeClr val="lt1"/>
+            </a:fontRef>
+          </p:style>
+          <p:txBody>
+            <a:bodyPr rtlCol="0" anchor="ctr"/>
+            <a:lstStyle/>
+            <a:p>
+              <a:pPr algn="ctr"/>
+              <a:endParaRPr lang="ko-KR" altLang="en-US" sz="2400"/>
+            </a:p>
+          </p:txBody>
+        </p:sp>
+        <p:sp>
+          <p:nvSpPr>
+            <p:cNvPr id="40" name="자유형 39"/>
+            <p:cNvSpPr/>
+            <p:nvPr/>
+          </p:nvSpPr>
+          <p:spPr>
+            <a:xfrm rot="10800000">
+              <a:off x="754421" y="2816677"/>
+              <a:ext cx="681439" cy="3343259"/>
+            </a:xfrm>
+            <a:custGeom>
+              <a:avLst/>
+              <a:gdLst>
+                <a:gd name="connsiteX0" fmla="*/ 194310 w 388620"/>
+                <a:gd name="connsiteY0" fmla="*/ 0 h 2927235"/>
+                <a:gd name="connsiteX1" fmla="*/ 388620 w 388620"/>
+                <a:gd name="connsiteY1" fmla="*/ 194310 h 2927235"/>
+                <a:gd name="connsiteX2" fmla="*/ 388620 w 388620"/>
+                <a:gd name="connsiteY2" fmla="*/ 2927235 h 2927235"/>
+                <a:gd name="connsiteX3" fmla="*/ 379599 w 388620"/>
+                <a:gd name="connsiteY3" fmla="*/ 2898175 h 2927235"/>
+                <a:gd name="connsiteX4" fmla="*/ 194310 w 388620"/>
+                <a:gd name="connsiteY4" fmla="*/ 2775357 h 2927235"/>
+                <a:gd name="connsiteX5" fmla="*/ 9021 w 388620"/>
+                <a:gd name="connsiteY5" fmla="*/ 2898175 h 2927235"/>
+                <a:gd name="connsiteX6" fmla="*/ 0 w 388620"/>
+                <a:gd name="connsiteY6" fmla="*/ 2927235 h 2927235"/>
+                <a:gd name="connsiteX7" fmla="*/ 0 w 388620"/>
+                <a:gd name="connsiteY7" fmla="*/ 194310 h 2927235"/>
+                <a:gd name="connsiteX8" fmla="*/ 194310 w 388620"/>
+                <a:gd name="connsiteY8" fmla="*/ 0 h 2927235"/>
+              </a:gdLst>
+              <a:ahLst/>
+              <a:cxnLst>
+                <a:cxn ang="0">
+                  <a:pos x="connsiteX0" y="connsiteY0"/>
+                </a:cxn>
+                <a:cxn ang="0">
+                  <a:pos x="connsiteX1" y="connsiteY1"/>
+                </a:cxn>
+                <a:cxn ang="0">
+                  <a:pos x="connsiteX2" y="connsiteY2"/>
+                </a:cxn>
+                <a:cxn ang="0">
+                  <a:pos x="connsiteX3" y="connsiteY3"/>
+                </a:cxn>
+                <a:cxn ang="0">
+                  <a:pos x="connsiteX4" y="connsiteY4"/>
+                </a:cxn>
+                <a:cxn ang="0">
+                  <a:pos x="connsiteX5" y="connsiteY5"/>
+                </a:cxn>
+                <a:cxn ang="0">
+                  <a:pos x="connsiteX6" y="connsiteY6"/>
+                </a:cxn>
+                <a:cxn ang="0">
+                  <a:pos x="connsiteX7" y="connsiteY7"/>
+                </a:cxn>
+                <a:cxn ang="0">
+                  <a:pos x="connsiteX8" y="connsiteY8"/>
+                </a:cxn>
+              </a:cxnLst>
+              <a:rect l="l" t="t" r="r" b="b"/>
+              <a:pathLst>
+                <a:path w="388620" h="2927235">
+                  <a:moveTo>
+                    <a:pt x="194310" y="0"/>
+                  </a:moveTo>
+                  <a:cubicBezTo>
+                    <a:pt x="301624" y="0"/>
+                    <a:pt x="388620" y="86996"/>
+                    <a:pt x="388620" y="194310"/>
+                  </a:cubicBezTo>
+                  <a:lnTo>
+                    <a:pt x="388620" y="2927235"/>
+                  </a:lnTo>
+                  <a:lnTo>
+                    <a:pt x="379599" y="2898175"/>
+                  </a:lnTo>
+                  <a:cubicBezTo>
+                    <a:pt x="349072" y="2826000"/>
+                    <a:pt x="277605" y="2775357"/>
+                    <a:pt x="194310" y="2775357"/>
+                  </a:cubicBezTo>
+                  <a:cubicBezTo>
+                    <a:pt x="111015" y="2775357"/>
+                    <a:pt x="39548" y="2826000"/>
+                    <a:pt x="9021" y="2898175"/>
+                  </a:cubicBezTo>
+                  <a:lnTo>
+                    <a:pt x="0" y="2927235"/>
+                  </a:lnTo>
+                  <a:lnTo>
+                    <a:pt x="0" y="194310"/>
+                  </a:lnTo>
+                  <a:cubicBezTo>
+                    <a:pt x="0" y="86996"/>
+                    <a:pt x="86996" y="0"/>
+                    <a:pt x="194310" y="0"/>
+                  </a:cubicBezTo>
+                  <a:close/>
+                </a:path>
+              </a:pathLst>
+            </a:custGeom>
+            <a:gradFill flip="none" rotWithShape="1">
+              <a:gsLst>
+                <a:gs pos="0">
+                  <a:schemeClr val="bg1">
+                    <a:shade val="67500"/>
+                    <a:satMod val="115000"/>
+                  </a:schemeClr>
+                </a:gs>
+                <a:gs pos="100000">
+                  <a:schemeClr val="bg1">
+                    <a:shade val="100000"/>
+                    <a:satMod val="115000"/>
+                  </a:schemeClr>
+                </a:gs>
+              </a:gsLst>
+              <a:lin ang="10800000" scaled="1"/>
+              <a:tileRect/>
+            </a:gradFill>
+            <a:ln>
+              <a:noFill/>
+            </a:ln>
+            <a:effectLst>
+              <a:outerShdw blurRad="88900" dist="139700" dir="5400000" sx="98000" sy="98000" algn="t" rotWithShape="0">
+                <a:prstClr val="black">
+                  <a:alpha val="40000"/>
+                </a:prstClr>
+              </a:outerShdw>
+            </a:effectLst>
+          </p:spPr>
+          <p:style>
+            <a:lnRef idx="2">
+              <a:schemeClr val="accent1">
+                <a:shade val="50000"/>
+              </a:schemeClr>
+            </a:lnRef>
+            <a:fillRef idx="1">
+              <a:schemeClr val="accent1"/>
+            </a:fillRef>
+            <a:effectRef idx="0">
+              <a:schemeClr val="accent1"/>
+            </a:effectRef>
+            <a:fontRef idx="minor">
+              <a:schemeClr val="lt1"/>
+            </a:fontRef>
+          </p:style>
+          <p:txBody>
+            <a:bodyPr rtlCol="0" anchor="ctr"/>
+            <a:lstStyle/>
+            <a:p>
+              <a:pPr algn="ctr"/>
+              <a:endParaRPr lang="ko-KR" altLang="en-US" sz="2400"/>
+            </a:p>
+          </p:txBody>
+        </p:sp>
+        <p:sp>
+          <p:nvSpPr>
+            <p:cNvPr id="41" name="자유형 40"/>
+            <p:cNvSpPr/>
+            <p:nvPr/>
+          </p:nvSpPr>
+          <p:spPr>
+            <a:xfrm>
+              <a:off x="754421" y="2614644"/>
+              <a:ext cx="681439" cy="3343259"/>
+            </a:xfrm>
+            <a:custGeom>
+              <a:avLst/>
+              <a:gdLst>
+                <a:gd name="connsiteX0" fmla="*/ 194310 w 388620"/>
+                <a:gd name="connsiteY0" fmla="*/ 0 h 2927235"/>
+                <a:gd name="connsiteX1" fmla="*/ 388620 w 388620"/>
+                <a:gd name="connsiteY1" fmla="*/ 194310 h 2927235"/>
+                <a:gd name="connsiteX2" fmla="*/ 388620 w 388620"/>
+                <a:gd name="connsiteY2" fmla="*/ 2927235 h 2927235"/>
+                <a:gd name="connsiteX3" fmla="*/ 379599 w 388620"/>
+                <a:gd name="connsiteY3" fmla="*/ 2898175 h 2927235"/>
+                <a:gd name="connsiteX4" fmla="*/ 194310 w 388620"/>
+                <a:gd name="connsiteY4" fmla="*/ 2775357 h 2927235"/>
+                <a:gd name="connsiteX5" fmla="*/ 9021 w 388620"/>
+                <a:gd name="connsiteY5" fmla="*/ 2898175 h 2927235"/>
+                <a:gd name="connsiteX6" fmla="*/ 0 w 388620"/>
+                <a:gd name="connsiteY6" fmla="*/ 2927235 h 2927235"/>
+                <a:gd name="connsiteX7" fmla="*/ 0 w 388620"/>
+                <a:gd name="connsiteY7" fmla="*/ 194310 h 2927235"/>
+                <a:gd name="connsiteX8" fmla="*/ 194310 w 388620"/>
+                <a:gd name="connsiteY8" fmla="*/ 0 h 2927235"/>
+              </a:gdLst>
+              <a:ahLst/>
+              <a:cxnLst>
+                <a:cxn ang="0">
+                  <a:pos x="connsiteX0" y="connsiteY0"/>
+                </a:cxn>
+                <a:cxn ang="0">
+                  <a:pos x="connsiteX1" y="connsiteY1"/>
+                </a:cxn>
+                <a:cxn ang="0">
+                  <a:pos x="connsiteX2" y="connsiteY2"/>
+                </a:cxn>
+                <a:cxn ang="0">
+                  <a:pos x="connsiteX3" y="connsiteY3"/>
+                </a:cxn>
+                <a:cxn ang="0">
+                  <a:pos x="connsiteX4" y="connsiteY4"/>
+                </a:cxn>
+                <a:cxn ang="0">
+                  <a:pos x="connsiteX5" y="connsiteY5"/>
+                </a:cxn>
+                <a:cxn ang="0">
+                  <a:pos x="connsiteX6" y="connsiteY6"/>
+                </a:cxn>
+                <a:cxn ang="0">
+                  <a:pos x="connsiteX7" y="connsiteY7"/>
+                </a:cxn>
+                <a:cxn ang="0">
+                  <a:pos x="connsiteX8" y="connsiteY8"/>
+                </a:cxn>
+              </a:cxnLst>
+              <a:rect l="l" t="t" r="r" b="b"/>
+              <a:pathLst>
+                <a:path w="388620" h="2927235">
+                  <a:moveTo>
+                    <a:pt x="194310" y="0"/>
+                  </a:moveTo>
+                  <a:cubicBezTo>
+                    <a:pt x="301624" y="0"/>
+                    <a:pt x="388620" y="86996"/>
+                    <a:pt x="388620" y="194310"/>
+                  </a:cubicBezTo>
+                  <a:lnTo>
+                    <a:pt x="388620" y="2927235"/>
+                  </a:lnTo>
+                  <a:lnTo>
+                    <a:pt x="379599" y="2898175"/>
+                  </a:lnTo>
+                  <a:cubicBezTo>
+                    <a:pt x="349072" y="2826000"/>
+                    <a:pt x="277605" y="2775357"/>
+                    <a:pt x="194310" y="2775357"/>
+                  </a:cubicBezTo>
+                  <a:cubicBezTo>
+                    <a:pt x="111015" y="2775357"/>
+                    <a:pt x="39548" y="2826000"/>
+                    <a:pt x="9021" y="2898175"/>
+                  </a:cubicBezTo>
+                  <a:lnTo>
+                    <a:pt x="0" y="2927235"/>
+                  </a:lnTo>
+                  <a:lnTo>
+                    <a:pt x="0" y="194310"/>
+                  </a:lnTo>
+                  <a:cubicBezTo>
+                    <a:pt x="0" y="86996"/>
+                    <a:pt x="86996" y="0"/>
+                    <a:pt x="194310" y="0"/>
+                  </a:cubicBezTo>
+                  <a:close/>
+                </a:path>
+              </a:pathLst>
+            </a:custGeom>
+            <a:gradFill flip="none" rotWithShape="1">
+              <a:gsLst>
+                <a:gs pos="0">
+                  <a:schemeClr val="bg1">
+                    <a:shade val="67500"/>
+                    <a:satMod val="115000"/>
+                  </a:schemeClr>
+                </a:gs>
+                <a:gs pos="100000">
+                  <a:schemeClr val="bg1">
+                    <a:shade val="100000"/>
+                    <a:satMod val="115000"/>
+                  </a:schemeClr>
+                </a:gs>
+              </a:gsLst>
+              <a:lin ang="10800000" scaled="1"/>
+              <a:tileRect/>
+            </a:gradFill>
+            <a:ln>
+              <a:noFill/>
+            </a:ln>
+            <a:effectLst>
+              <a:outerShdw blurRad="88900" dist="139700" dir="5400000" sx="98000" sy="98000" algn="t" rotWithShape="0">
+                <a:prstClr val="black">
+                  <a:alpha val="40000"/>
+                </a:prstClr>
+              </a:outerShdw>
+            </a:effectLst>
+          </p:spPr>
+          <p:style>
+            <a:lnRef idx="2">
+              <a:schemeClr val="accent1">
+                <a:shade val="50000"/>
+              </a:schemeClr>
+            </a:lnRef>
+            <a:fillRef idx="1">
+              <a:schemeClr val="accent1"/>
+            </a:fillRef>
+            <a:effectRef idx="0">
+              <a:schemeClr val="accent1"/>
+            </a:effectRef>
+            <a:fontRef idx="minor">
+              <a:schemeClr val="lt1"/>
+            </a:fontRef>
+          </p:style>
+          <p:txBody>
+            <a:bodyPr rtlCol="0" anchor="ctr"/>
+            <a:lstStyle/>
+            <a:p>
+              <a:pPr algn="ctr"/>
+              <a:endParaRPr lang="ko-KR" altLang="en-US" sz="2400"/>
+            </a:p>
+          </p:txBody>
+        </p:sp>
+        <p:sp>
+          <p:nvSpPr>
+            <p:cNvPr id="42" name="자유형 41"/>
+            <p:cNvSpPr/>
+            <p:nvPr/>
+          </p:nvSpPr>
+          <p:spPr>
+            <a:xfrm>
+              <a:off x="586490" y="739768"/>
+              <a:ext cx="1017302" cy="4991063"/>
+            </a:xfrm>
+            <a:custGeom>
+              <a:avLst/>
+              <a:gdLst>
+                <a:gd name="connsiteX0" fmla="*/ 194310 w 388620"/>
+                <a:gd name="connsiteY0" fmla="*/ 0 h 2927235"/>
+                <a:gd name="connsiteX1" fmla="*/ 388620 w 388620"/>
+                <a:gd name="connsiteY1" fmla="*/ 194310 h 2927235"/>
+                <a:gd name="connsiteX2" fmla="*/ 388620 w 388620"/>
+                <a:gd name="connsiteY2" fmla="*/ 2927235 h 2927235"/>
+                <a:gd name="connsiteX3" fmla="*/ 379599 w 388620"/>
+                <a:gd name="connsiteY3" fmla="*/ 2898175 h 2927235"/>
+                <a:gd name="connsiteX4" fmla="*/ 194310 w 388620"/>
+                <a:gd name="connsiteY4" fmla="*/ 2775357 h 2927235"/>
+                <a:gd name="connsiteX5" fmla="*/ 9021 w 388620"/>
+                <a:gd name="connsiteY5" fmla="*/ 2898175 h 2927235"/>
+                <a:gd name="connsiteX6" fmla="*/ 0 w 388620"/>
+                <a:gd name="connsiteY6" fmla="*/ 2927235 h 2927235"/>
+                <a:gd name="connsiteX7" fmla="*/ 0 w 388620"/>
+                <a:gd name="connsiteY7" fmla="*/ 194310 h 2927235"/>
+                <a:gd name="connsiteX8" fmla="*/ 194310 w 388620"/>
+                <a:gd name="connsiteY8" fmla="*/ 0 h 2927235"/>
+              </a:gdLst>
+              <a:ahLst/>
+              <a:cxnLst>
+                <a:cxn ang="0">
+                  <a:pos x="connsiteX0" y="connsiteY0"/>
+                </a:cxn>
+                <a:cxn ang="0">
+                  <a:pos x="connsiteX1" y="connsiteY1"/>
+                </a:cxn>
+                <a:cxn ang="0">
+                  <a:pos x="connsiteX2" y="connsiteY2"/>
+                </a:cxn>
+                <a:cxn ang="0">
+                  <a:pos x="connsiteX3" y="connsiteY3"/>
+                </a:cxn>
+                <a:cxn ang="0">
+                  <a:pos x="connsiteX4" y="connsiteY4"/>
+                </a:cxn>
+                <a:cxn ang="0">
+                  <a:pos x="connsiteX5" y="connsiteY5"/>
+                </a:cxn>
+                <a:cxn ang="0">
+                  <a:pos x="connsiteX6" y="connsiteY6"/>
+                </a:cxn>
+                <a:cxn ang="0">
+                  <a:pos x="connsiteX7" y="connsiteY7"/>
+                </a:cxn>
+                <a:cxn ang="0">
+                  <a:pos x="connsiteX8" y="connsiteY8"/>
+                </a:cxn>
+              </a:cxnLst>
+              <a:rect l="l" t="t" r="r" b="b"/>
+              <a:pathLst>
+                <a:path w="388620" h="2927235">
+                  <a:moveTo>
+                    <a:pt x="194310" y="0"/>
+                  </a:moveTo>
+                  <a:cubicBezTo>
+                    <a:pt x="301624" y="0"/>
+                    <a:pt x="388620" y="86996"/>
+                    <a:pt x="388620" y="194310"/>
+                  </a:cubicBezTo>
+                  <a:lnTo>
+                    <a:pt x="388620" y="2927235"/>
+                  </a:lnTo>
+                  <a:lnTo>
+                    <a:pt x="379599" y="2898175"/>
+                  </a:lnTo>
+                  <a:cubicBezTo>
+                    <a:pt x="349072" y="2826000"/>
+                    <a:pt x="277605" y="2775357"/>
+                    <a:pt x="194310" y="2775357"/>
+                  </a:cubicBezTo>
+                  <a:cubicBezTo>
+                    <a:pt x="111015" y="2775357"/>
+                    <a:pt x="39548" y="2826000"/>
+                    <a:pt x="9021" y="2898175"/>
+                  </a:cubicBezTo>
+                  <a:lnTo>
+                    <a:pt x="0" y="2927235"/>
+                  </a:lnTo>
+                  <a:lnTo>
+                    <a:pt x="0" y="194310"/>
+                  </a:lnTo>
+                  <a:cubicBezTo>
+                    <a:pt x="0" y="86996"/>
+                    <a:pt x="86996" y="0"/>
+                    <a:pt x="194310" y="0"/>
+                  </a:cubicBezTo>
+                  <a:close/>
+                </a:path>
+              </a:pathLst>
+            </a:custGeom>
+            <a:gradFill flip="none" rotWithShape="1">
+              <a:gsLst>
+                <a:gs pos="0">
+                  <a:schemeClr val="bg1">
+                    <a:shade val="67500"/>
+                    <a:satMod val="115000"/>
+                  </a:schemeClr>
+                </a:gs>
+                <a:gs pos="100000">
+                  <a:schemeClr val="bg1">
+                    <a:shade val="100000"/>
+                    <a:satMod val="115000"/>
+                  </a:schemeClr>
+                </a:gs>
+              </a:gsLst>
+              <a:lin ang="10800000" scaled="1"/>
+              <a:tileRect/>
+            </a:gradFill>
+            <a:ln>
+              <a:noFill/>
+            </a:ln>
+            <a:effectLst>
+              <a:outerShdw blurRad="88900" dist="139700" dir="5400000" sx="98000" sy="98000" algn="t" rotWithShape="0">
+                <a:prstClr val="black">
+                  <a:alpha val="40000"/>
+                </a:prstClr>
+              </a:outerShdw>
+            </a:effectLst>
+          </p:spPr>
+          <p:style>
+            <a:lnRef idx="2">
+              <a:schemeClr val="accent1">
+                <a:shade val="50000"/>
+              </a:schemeClr>
+            </a:lnRef>
+            <a:fillRef idx="1">
+              <a:schemeClr val="accent1"/>
+            </a:fillRef>
+            <a:effectRef idx="0">
+              <a:schemeClr val="accent1"/>
+            </a:effectRef>
+            <a:fontRef idx="minor">
+              <a:schemeClr val="lt1"/>
+            </a:fontRef>
+          </p:style>
+          <p:txBody>
+            <a:bodyPr rtlCol="0" anchor="ctr"/>
+            <a:lstStyle/>
+            <a:p>
+              <a:pPr algn="ctr"/>
+              <a:endParaRPr lang="ko-KR" altLang="en-US" sz="2400"/>
+            </a:p>
+          </p:txBody>
+        </p:sp>
+      </p:grpSp>
+      <p:sp>
+        <p:nvSpPr>
+          <p:cNvPr id="43" name="직사각형 42"/>
+          <p:cNvSpPr/>
+          <p:nvPr/>
+        </p:nvSpPr>
+        <p:spPr>
+          <a:xfrm>
+            <a:off x="1121067" y="522708"/>
+            <a:ext cx="8789911" cy="646331"/>
+          </a:xfrm>
+          <a:prstGeom prst="rect">
+            <a:avLst/>
+          </a:prstGeom>
+        </p:spPr>
+        <p:txBody>
+          <a:bodyPr wrap="square" lIns="91440" tIns="45720" rIns="91440" bIns="45720">
+            <a:spAutoFit/>
+          </a:bodyPr>
+          <a:lstStyle/>
+          <a:p>
+            <a:pPr>
+              <a:lnSpc>
+                <a:spcPct val="150000"/>
+              </a:lnSpc>
+            </a:pPr>
+            <a:r>
+              <a:rPr lang="en-US" altLang="ko-KR" sz="2400" b="1" dirty="0">
+                <a:solidFill>
+                  <a:schemeClr val="tx1">
+                    <a:lumMod val="75000"/>
+                    <a:lumOff val="25000"/>
+                  </a:schemeClr>
+                </a:solidFill>
+                <a:latin typeface="+mj-ea"/>
+                <a:ea typeface="+mj-ea"/>
+              </a:rPr>
+              <a:t>[ </a:t>
+            </a:r>
+            <a:r>
+              <a:rPr lang="ko-KR" altLang="en-US" sz="2400" b="1" dirty="0">
+                <a:solidFill>
+                  <a:schemeClr val="tx1">
+                    <a:lumMod val="75000"/>
+                    <a:lumOff val="25000"/>
+                  </a:schemeClr>
+                </a:solidFill>
+                <a:latin typeface="+mj-ea"/>
+                <a:ea typeface="+mj-ea"/>
+              </a:rPr>
+              <a:t>화면설계 </a:t>
+            </a:r>
+            <a:r>
+              <a:rPr lang="en-US" altLang="ko-KR" sz="2400" b="1" dirty="0">
+                <a:solidFill>
+                  <a:schemeClr val="tx1">
+                    <a:lumMod val="75000"/>
+                    <a:lumOff val="25000"/>
+                  </a:schemeClr>
+                </a:solidFill>
+                <a:latin typeface="+mj-ea"/>
+                <a:ea typeface="+mj-ea"/>
+              </a:rPr>
+              <a:t>] </a:t>
+            </a:r>
+            <a:r>
+              <a:rPr lang="ko-KR" altLang="en-US" sz="2400" b="1" dirty="0">
+                <a:solidFill>
+                  <a:schemeClr val="tx1">
+                    <a:lumMod val="75000"/>
+                    <a:lumOff val="25000"/>
+                  </a:schemeClr>
+                </a:solidFill>
+                <a:latin typeface="+mj-ea"/>
+                <a:ea typeface="+mj-ea"/>
+              </a:rPr>
+              <a:t>사용자 </a:t>
+            </a:r>
+            <a:r>
+              <a:rPr lang="en-US" altLang="ko-KR" sz="2400" b="1" dirty="0">
+                <a:solidFill>
+                  <a:schemeClr val="tx1">
+                    <a:lumMod val="75000"/>
+                    <a:lumOff val="25000"/>
+                  </a:schemeClr>
+                </a:solidFill>
+                <a:latin typeface="+mj-ea"/>
+                <a:ea typeface="+mj-ea"/>
+              </a:rPr>
+              <a:t>- </a:t>
+            </a:r>
+            <a:r>
+              <a:rPr lang="ko-KR" altLang="en-US" sz="2400" b="1" dirty="0">
+                <a:solidFill>
+                  <a:schemeClr val="tx1">
+                    <a:lumMod val="75000"/>
+                    <a:lumOff val="25000"/>
+                  </a:schemeClr>
+                </a:solidFill>
+                <a:latin typeface="+mj-ea"/>
+                <a:ea typeface="+mj-ea"/>
+              </a:rPr>
+              <a:t>웹 </a:t>
+            </a:r>
+            <a:r>
+              <a:rPr lang="en-US" altLang="ko-KR" sz="2400" b="1" dirty="0">
+                <a:solidFill>
+                  <a:schemeClr val="tx1">
+                    <a:lumMod val="75000"/>
+                    <a:lumOff val="25000"/>
+                  </a:schemeClr>
+                </a:solidFill>
+                <a:latin typeface="+mj-ea"/>
+                <a:ea typeface="+mj-ea"/>
+              </a:rPr>
+              <a:t>- </a:t>
+            </a:r>
+            <a:r>
+              <a:rPr lang="ko-KR" altLang="en-US" sz="2400" b="1" dirty="0">
+                <a:solidFill>
+                  <a:schemeClr val="tx1">
+                    <a:lumMod val="75000"/>
+                    <a:lumOff val="25000"/>
+                  </a:schemeClr>
+                </a:solidFill>
+                <a:latin typeface="+mj-ea"/>
+                <a:ea typeface="+mj-ea"/>
+              </a:rPr>
+              <a:t>세미나 </a:t>
+            </a:r>
+            <a:r>
+              <a:rPr lang="ko-KR" altLang="en-US" sz="2400" b="1" dirty="0">
+                <a:solidFill>
+                  <a:schemeClr val="tx1">
+                    <a:lumMod val="75000"/>
+                    <a:lumOff val="25000"/>
+                  </a:schemeClr>
+                </a:solidFill>
+                <a:latin typeface="+mj-ea"/>
+                <a:ea typeface="+mj-ea"/>
+              </a:rPr>
+              <a:t>상세페이지</a:t>
+            </a:r>
+            <a:endParaRPr lang="ko-KR" altLang="en-US" sz="2400" b="1" dirty="0">
+              <a:solidFill>
+                <a:schemeClr val="tx1">
+                  <a:lumMod val="75000"/>
+                  <a:lumOff val="25000"/>
+                </a:schemeClr>
+              </a:solidFill>
+              <a:latin typeface="+mj-ea"/>
+              <a:ea typeface="+mj-ea"/>
+            </a:endParaRPr>
+          </a:p>
+        </p:txBody>
+      </p:sp>
+      <p:graphicFrame>
+        <p:nvGraphicFramePr>
+          <p:cNvPr id="4" name="표 3"/>
+          <p:cNvGraphicFramePr>
+            <a:graphicFrameLocks noGrp="1"/>
+          </p:cNvGraphicFramePr>
+          <p:nvPr>
+            <p:extLst/>
+          </p:nvPr>
+        </p:nvGraphicFramePr>
+        <p:xfrm>
+          <a:off x="9168341" y="1433634"/>
+          <a:ext cx="2688299" cy="915066"/>
+        </p:xfrm>
+        <a:graphic>
+          <a:graphicData uri="http://schemas.openxmlformats.org/drawingml/2006/table">
+            <a:tbl>
+              <a:tblPr firstRow="1" bandRow="1"/>
+              <a:tblGrid>
+                <a:gridCol w="2688299">
+                  <a:extLst>
+                    <a:ext uri="{9D8B030D-6E8A-4147-A177-3AD203B41FA5}">
+                      <a16:colId xmlns:a16="http://schemas.microsoft.com/office/drawing/2014/main" val="20000"/>
+                    </a:ext>
+                  </a:extLst>
+                </a:gridCol>
+              </a:tblGrid>
+              <a:tr h="424495">
+                <a:tc>
+                  <a:txBody>
+                    <a:bodyPr/>
+                    <a:lstStyle/>
+                    <a:p>
+                      <a:pPr algn="ctr" latinLnBrk="1"/>
+                      <a:r>
+                        <a:rPr lang="ko-KR" altLang="en-US" sz="1200" b="1" dirty="0" smtClean="0">
+                          <a:solidFill>
+                            <a:schemeClr val="tx1"/>
+                          </a:solidFill>
+                          <a:latin typeface="+mj-ea"/>
+                          <a:ea typeface="+mj-ea"/>
+                        </a:rPr>
+                        <a:t>화면코드</a:t>
+                      </a:r>
+                      <a:endParaRPr lang="ko-KR" altLang="en-US" sz="1200" b="1" dirty="0">
+                        <a:solidFill>
+                          <a:schemeClr val="tx1"/>
+                        </a:solidFill>
+                        <a:latin typeface="+mj-ea"/>
+                        <a:ea typeface="+mj-ea"/>
+                      </a:endParaRPr>
+                    </a:p>
+                  </a:txBody>
+                  <a:tcPr marL="121920" marR="121920" marT="60960" marB="60960" anchor="ctr">
+                    <a:solidFill>
+                      <a:srgbClr val="FF9E00"/>
+                    </a:solidFill>
+                  </a:tcPr>
+                </a:tc>
+                <a:extLst>
+                  <a:ext uri="{0D108BD9-81ED-4DB2-BD59-A6C34878D82A}">
+                    <a16:rowId xmlns:a16="http://schemas.microsoft.com/office/drawing/2014/main" val="10000"/>
+                  </a:ext>
+                </a:extLst>
+              </a:tr>
+              <a:tr h="490571">
+                <a:tc>
+                  <a:txBody>
+                    <a:bodyPr/>
+                    <a:lstStyle/>
+                    <a:p>
+                      <a:pPr algn="ctr" latinLnBrk="1"/>
+                      <a:r>
+                        <a:rPr lang="en-US" altLang="ko-KR" sz="1500" dirty="0" err="1" smtClean="0">
+                          <a:latin typeface="+mj-ea"/>
+                          <a:ea typeface="+mj-ea"/>
+                        </a:rPr>
+                        <a:t>sh_user_w_semiDetail</a:t>
+                      </a:r>
+                      <a:endParaRPr lang="ko-KR" altLang="en-US" sz="1500" dirty="0">
+                        <a:latin typeface="+mj-ea"/>
+                        <a:ea typeface="+mj-ea"/>
+                      </a:endParaRPr>
+                    </a:p>
+                  </a:txBody>
+                  <a:tcPr marL="121920" marR="121920" marT="60960" marB="60960" anchor="ctr"/>
+                </a:tc>
+                <a:extLst>
+                  <a:ext uri="{0D108BD9-81ED-4DB2-BD59-A6C34878D82A}">
+                    <a16:rowId xmlns:a16="http://schemas.microsoft.com/office/drawing/2014/main" val="10001"/>
+                  </a:ext>
+                </a:extLst>
+              </a:tr>
+            </a:tbl>
+          </a:graphicData>
+        </a:graphic>
+      </p:graphicFrame>
+      <p:sp>
+        <p:nvSpPr>
+          <p:cNvPr id="19" name="직사각형 18"/>
+          <p:cNvSpPr/>
+          <p:nvPr/>
+        </p:nvSpPr>
+        <p:spPr>
+          <a:xfrm>
+            <a:off x="1081171" y="1433634"/>
+            <a:ext cx="7895148" cy="4875687"/>
+          </a:xfrm>
+          <a:prstGeom prst="rect">
+            <a:avLst/>
+          </a:prstGeom>
+          <a:noFill/>
+          <a:ln w="9525">
+            <a:solidFill>
+              <a:schemeClr val="tx1"/>
+            </a:solidFill>
+          </a:ln>
+        </p:spPr>
+        <p:style>
+          <a:lnRef idx="2">
+            <a:schemeClr val="accent1">
+              <a:shade val="50000"/>
+            </a:schemeClr>
+          </a:lnRef>
+          <a:fillRef idx="1">
+            <a:schemeClr val="accent1"/>
+          </a:fillRef>
+          <a:effectRef idx="0">
+            <a:schemeClr val="accent1"/>
+          </a:effectRef>
+          <a:fontRef idx="minor">
+            <a:schemeClr val="lt1"/>
+          </a:fontRef>
+        </p:style>
+        <p:txBody>
+          <a:bodyPr rtlCol="0" anchor="ctr"/>
+          <a:lstStyle/>
+          <a:p>
+            <a:pPr algn="ctr"/>
+            <a:endParaRPr lang="ko-KR" altLang="en-US" sz="2400">
+              <a:noFill/>
+            </a:endParaRPr>
+          </a:p>
+        </p:txBody>
+      </p:sp>
+      <p:graphicFrame>
+        <p:nvGraphicFramePr>
+          <p:cNvPr id="6" name="표 5"/>
+          <p:cNvGraphicFramePr>
+            <a:graphicFrameLocks noGrp="1"/>
+          </p:cNvGraphicFramePr>
+          <p:nvPr>
+            <p:extLst/>
+          </p:nvPr>
+        </p:nvGraphicFramePr>
+        <p:xfrm>
+          <a:off x="9168341" y="2479152"/>
+          <a:ext cx="2688299" cy="3570331"/>
+        </p:xfrm>
+        <a:graphic>
+          <a:graphicData uri="http://schemas.openxmlformats.org/drawingml/2006/table">
+            <a:tbl>
+              <a:tblPr firstRow="1" bandRow="1"/>
+              <a:tblGrid>
+                <a:gridCol w="280507">
+                  <a:extLst>
+                    <a:ext uri="{9D8B030D-6E8A-4147-A177-3AD203B41FA5}">
+                      <a16:colId xmlns:a16="http://schemas.microsoft.com/office/drawing/2014/main" val="20000"/>
+                    </a:ext>
+                  </a:extLst>
+                </a:gridCol>
+                <a:gridCol w="2407792">
+                  <a:extLst>
+                    <a:ext uri="{9D8B030D-6E8A-4147-A177-3AD203B41FA5}">
+                      <a16:colId xmlns:a16="http://schemas.microsoft.com/office/drawing/2014/main" val="20001"/>
+                    </a:ext>
+                  </a:extLst>
+                </a:gridCol>
+              </a:tblGrid>
+              <a:tr h="469796">
+                <a:tc>
+                  <a:txBody>
+                    <a:bodyPr/>
+                    <a:lstStyle/>
+                    <a:p>
+                      <a:pPr algn="ctr" latinLnBrk="1"/>
+                      <a:r>
+                        <a:rPr lang="en-US" altLang="ko-KR" sz="1200" b="1" dirty="0" smtClean="0">
+                          <a:latin typeface="+mj-ea"/>
+                          <a:ea typeface="+mj-ea"/>
+                        </a:rPr>
+                        <a:t>#</a:t>
+                      </a:r>
+                      <a:endParaRPr lang="ko-KR" altLang="en-US" sz="1200" b="1" dirty="0">
+                        <a:latin typeface="+mj-ea"/>
+                        <a:ea typeface="+mj-ea"/>
+                      </a:endParaRPr>
+                    </a:p>
+                  </a:txBody>
+                  <a:tcPr marL="121920" marR="121920" marT="60960" marB="60960" anchor="ctr">
+                    <a:solidFill>
+                      <a:srgbClr val="FF9E00"/>
+                    </a:solidFill>
+                  </a:tcPr>
+                </a:tc>
+                <a:tc>
+                  <a:txBody>
+                    <a:bodyPr/>
+                    <a:lstStyle/>
+                    <a:p>
+                      <a:pPr algn="ctr" latinLnBrk="1"/>
+                      <a:r>
+                        <a:rPr lang="ko-KR" altLang="en-US" sz="1200" b="1" dirty="0" smtClean="0">
+                          <a:latin typeface="+mj-ea"/>
+                          <a:ea typeface="+mj-ea"/>
+                        </a:rPr>
+                        <a:t>기능</a:t>
+                      </a:r>
+                      <a:endParaRPr lang="ko-KR" altLang="en-US" sz="1200" b="1" dirty="0">
+                        <a:latin typeface="+mj-ea"/>
+                        <a:ea typeface="+mj-ea"/>
+                      </a:endParaRPr>
+                    </a:p>
+                  </a:txBody>
+                  <a:tcPr marL="121920" marR="121920" marT="60960" marB="60960" anchor="ctr">
+                    <a:solidFill>
+                      <a:srgbClr val="FF9E00"/>
+                    </a:solidFill>
+                  </a:tcPr>
+                </a:tc>
+                <a:extLst>
+                  <a:ext uri="{0D108BD9-81ED-4DB2-BD59-A6C34878D82A}">
+                    <a16:rowId xmlns:a16="http://schemas.microsoft.com/office/drawing/2014/main" val="10000"/>
+                  </a:ext>
+                </a:extLst>
+              </a:tr>
+              <a:tr h="620107">
+                <a:tc>
+                  <a:txBody>
+                    <a:bodyPr/>
+                    <a:lstStyle/>
+                    <a:p>
+                      <a:pPr algn="ctr" latinLnBrk="1"/>
+                      <a:r>
+                        <a:rPr lang="en-US" altLang="ko-KR" sz="1300" dirty="0" smtClean="0">
+                          <a:latin typeface="+mj-ea"/>
+                          <a:ea typeface="+mj-ea"/>
+                        </a:rPr>
+                        <a:t>1</a:t>
+                      </a:r>
+                      <a:endParaRPr lang="ko-KR" altLang="en-US" sz="1300" dirty="0">
+                        <a:latin typeface="+mj-ea"/>
+                        <a:ea typeface="+mj-ea"/>
+                      </a:endParaRPr>
+                    </a:p>
+                  </a:txBody>
+                  <a:tcPr marL="121920" marR="121920" marT="60960" marB="60960" anchor="ctr"/>
+                </a:tc>
+                <a:tc>
+                  <a:txBody>
+                    <a:bodyPr/>
+                    <a:lstStyle/>
+                    <a:p>
+                      <a:pPr algn="l" latinLnBrk="1">
+                        <a:lnSpc>
+                          <a:spcPts val="1300"/>
+                        </a:lnSpc>
+                      </a:pPr>
+                      <a:r>
+                        <a:rPr lang="ko-KR" altLang="en-US" sz="1200" b="1" dirty="0" err="1" smtClean="0">
+                          <a:latin typeface="+mj-ea"/>
+                          <a:ea typeface="+mj-ea"/>
+                        </a:rPr>
+                        <a:t>컨텐츠</a:t>
+                      </a:r>
+                      <a:endParaRPr lang="en-US" altLang="ko-KR" sz="1200" b="1" dirty="0" smtClean="0">
+                        <a:latin typeface="+mj-ea"/>
+                        <a:ea typeface="+mj-ea"/>
+                      </a:endParaRPr>
+                    </a:p>
+                    <a:p>
+                      <a:pPr algn="l" latinLnBrk="1">
+                        <a:lnSpc>
+                          <a:spcPts val="1300"/>
+                        </a:lnSpc>
+                      </a:pPr>
+                      <a:r>
+                        <a:rPr lang="en-US" altLang="ko-KR" sz="1200" dirty="0" smtClean="0">
+                          <a:latin typeface="+mj-ea"/>
+                          <a:ea typeface="+mj-ea"/>
+                        </a:rPr>
+                        <a:t>- </a:t>
+                      </a:r>
+                      <a:r>
+                        <a:rPr lang="ko-KR" altLang="en-US" sz="1200" dirty="0" smtClean="0">
+                          <a:latin typeface="+mj-ea"/>
+                          <a:ea typeface="+mj-ea"/>
+                        </a:rPr>
+                        <a:t>세미나를 소개하는 페이지</a:t>
+                      </a:r>
+                      <a:endParaRPr lang="ko-KR" altLang="en-US" sz="1200" dirty="0">
+                        <a:latin typeface="+mj-ea"/>
+                        <a:ea typeface="+mj-ea"/>
+                      </a:endParaRPr>
+                    </a:p>
+                  </a:txBody>
+                  <a:tcPr marL="121920" marR="121920" marT="60960" marB="60960"/>
+                </a:tc>
+                <a:extLst>
+                  <a:ext uri="{0D108BD9-81ED-4DB2-BD59-A6C34878D82A}">
+                    <a16:rowId xmlns:a16="http://schemas.microsoft.com/office/drawing/2014/main" val="10001"/>
+                  </a:ext>
+                </a:extLst>
+              </a:tr>
+              <a:tr h="620107">
+                <a:tc>
+                  <a:txBody>
+                    <a:bodyPr/>
+                    <a:lstStyle/>
+                    <a:p>
+                      <a:pPr algn="ctr" latinLnBrk="1"/>
+                      <a:r>
+                        <a:rPr lang="en-US" altLang="ko-KR" sz="1300" dirty="0" smtClean="0">
+                          <a:latin typeface="+mj-ea"/>
+                          <a:ea typeface="+mj-ea"/>
+                        </a:rPr>
+                        <a:t>2</a:t>
+                      </a:r>
+                      <a:endParaRPr lang="ko-KR" altLang="en-US" sz="1300" dirty="0">
+                        <a:latin typeface="+mj-ea"/>
+                        <a:ea typeface="+mj-ea"/>
+                      </a:endParaRPr>
+                    </a:p>
+                  </a:txBody>
+                  <a:tcPr marL="121920" marR="121920" marT="60960" marB="60960" anchor="ctr"/>
+                </a:tc>
+                <a:tc>
+                  <a:txBody>
+                    <a:bodyPr/>
+                    <a:lstStyle/>
+                    <a:p>
+                      <a:pPr algn="l" latinLnBrk="1">
+                        <a:lnSpc>
+                          <a:spcPts val="1300"/>
+                        </a:lnSpc>
+                      </a:pPr>
+                      <a:r>
+                        <a:rPr lang="ko-KR" altLang="en-US" sz="1200" b="1" i="0" u="none" strike="noStrike" cap="none" dirty="0" smtClean="0">
+                          <a:solidFill>
+                            <a:srgbClr val="000000"/>
+                          </a:solidFill>
+                          <a:latin typeface="+mj-ea"/>
+                          <a:ea typeface="Arial"/>
+                          <a:cs typeface="Arial"/>
+                          <a:sym typeface="Arial"/>
+                        </a:rPr>
+                        <a:t>세미나 정보</a:t>
+                      </a:r>
+                      <a:endParaRPr lang="en-US" altLang="ko-KR" sz="1200" b="1" i="0" u="none" strike="noStrike" cap="none" dirty="0" smtClean="0">
+                        <a:solidFill>
+                          <a:srgbClr val="000000"/>
+                        </a:solidFill>
+                        <a:latin typeface="+mj-ea"/>
+                        <a:ea typeface="Arial"/>
+                        <a:cs typeface="Arial"/>
+                        <a:sym typeface="Arial"/>
+                      </a:endParaRPr>
+                    </a:p>
+                    <a:p>
+                      <a:pPr algn="l" latinLnBrk="1">
+                        <a:lnSpc>
+                          <a:spcPts val="1300"/>
+                        </a:lnSpc>
+                      </a:pPr>
+                      <a:r>
+                        <a:rPr lang="en-US" altLang="ko-KR" sz="1200" b="0" i="0" u="none" strike="noStrike" cap="none" dirty="0" smtClean="0">
+                          <a:solidFill>
+                            <a:srgbClr val="000000"/>
+                          </a:solidFill>
+                          <a:latin typeface="+mj-ea"/>
+                          <a:ea typeface="Arial"/>
+                          <a:cs typeface="Arial"/>
+                          <a:sym typeface="Arial"/>
+                        </a:rPr>
+                        <a:t>- </a:t>
+                      </a:r>
+                      <a:r>
+                        <a:rPr lang="ko-KR" altLang="en-US" sz="1200" b="0" i="0" u="none" strike="noStrike" cap="none" dirty="0" smtClean="0">
+                          <a:solidFill>
+                            <a:srgbClr val="000000"/>
+                          </a:solidFill>
+                          <a:latin typeface="+mj-ea"/>
+                          <a:ea typeface="Arial"/>
+                          <a:cs typeface="Arial"/>
+                          <a:sym typeface="Arial"/>
+                        </a:rPr>
+                        <a:t>주최자</a:t>
+                      </a:r>
+                      <a:r>
+                        <a:rPr lang="en-US" altLang="ko-KR" sz="1200" b="0" i="0" u="none" strike="noStrike" cap="none" dirty="0" smtClean="0">
+                          <a:solidFill>
+                            <a:srgbClr val="000000"/>
+                          </a:solidFill>
+                          <a:latin typeface="+mj-ea"/>
+                          <a:ea typeface="Arial"/>
+                          <a:cs typeface="Arial"/>
+                          <a:sym typeface="Arial"/>
+                        </a:rPr>
+                        <a:t>,</a:t>
+                      </a:r>
+                      <a:r>
+                        <a:rPr lang="en-US" altLang="ko-KR" sz="1200" b="0" i="0" u="none" strike="noStrike" cap="none" baseline="0" dirty="0" smtClean="0">
+                          <a:solidFill>
+                            <a:srgbClr val="000000"/>
+                          </a:solidFill>
+                          <a:latin typeface="+mj-ea"/>
+                          <a:ea typeface="Arial"/>
+                          <a:cs typeface="Arial"/>
+                          <a:sym typeface="Arial"/>
+                        </a:rPr>
+                        <a:t> </a:t>
+                      </a:r>
+                      <a:r>
+                        <a:rPr lang="ko-KR" altLang="en-US" sz="1200" b="0" i="0" u="none" strike="noStrike" cap="none" baseline="0" dirty="0" smtClean="0">
+                          <a:solidFill>
+                            <a:srgbClr val="000000"/>
+                          </a:solidFill>
+                          <a:latin typeface="+mj-ea"/>
+                          <a:ea typeface="Arial"/>
+                          <a:cs typeface="Arial"/>
+                          <a:sym typeface="Arial"/>
+                        </a:rPr>
+                        <a:t>인원</a:t>
+                      </a:r>
+                      <a:r>
+                        <a:rPr lang="en-US" altLang="ko-KR" sz="1200" b="0" i="0" u="none" strike="noStrike" cap="none" baseline="0" dirty="0" smtClean="0">
+                          <a:solidFill>
+                            <a:srgbClr val="000000"/>
+                          </a:solidFill>
+                          <a:latin typeface="+mj-ea"/>
+                          <a:ea typeface="Arial"/>
+                          <a:cs typeface="Arial"/>
+                          <a:sym typeface="Arial"/>
+                        </a:rPr>
+                        <a:t>, </a:t>
+                      </a:r>
+                      <a:r>
+                        <a:rPr lang="ko-KR" altLang="en-US" sz="1200" b="0" i="0" u="none" strike="noStrike" cap="none" baseline="0" dirty="0" smtClean="0">
+                          <a:solidFill>
+                            <a:srgbClr val="000000"/>
+                          </a:solidFill>
+                          <a:latin typeface="+mj-ea"/>
+                          <a:ea typeface="Arial"/>
+                          <a:cs typeface="Arial"/>
+                          <a:sym typeface="Arial"/>
+                        </a:rPr>
+                        <a:t>카테고리 표시</a:t>
+                      </a:r>
+                      <a:endParaRPr lang="ko-KR" altLang="en-US" sz="1200" b="0" i="0" u="none" strike="noStrike" cap="none" dirty="0" smtClean="0">
+                        <a:solidFill>
+                          <a:srgbClr val="000000"/>
+                        </a:solidFill>
+                        <a:latin typeface="+mj-ea"/>
+                        <a:ea typeface="Arial"/>
+                        <a:cs typeface="Arial"/>
+                        <a:sym typeface="Arial"/>
+                      </a:endParaRPr>
+                    </a:p>
+                  </a:txBody>
+                  <a:tcPr marL="121920" marR="121920" marT="60960" marB="60960"/>
+                </a:tc>
+                <a:extLst>
+                  <a:ext uri="{0D108BD9-81ED-4DB2-BD59-A6C34878D82A}">
+                    <a16:rowId xmlns:a16="http://schemas.microsoft.com/office/drawing/2014/main" val="10002"/>
+                  </a:ext>
+                </a:extLst>
+              </a:tr>
+              <a:tr h="620107">
+                <a:tc>
+                  <a:txBody>
+                    <a:bodyPr/>
+                    <a:lstStyle/>
+                    <a:p>
+                      <a:pPr algn="ctr" latinLnBrk="1"/>
+                      <a:r>
+                        <a:rPr lang="en-US" altLang="ko-KR" sz="1300" dirty="0" smtClean="0">
+                          <a:latin typeface="+mj-ea"/>
+                          <a:ea typeface="+mj-ea"/>
+                        </a:rPr>
+                        <a:t>3</a:t>
+                      </a:r>
+                      <a:endParaRPr lang="ko-KR" altLang="en-US" sz="1300" dirty="0">
+                        <a:latin typeface="+mj-ea"/>
+                        <a:ea typeface="+mj-ea"/>
+                      </a:endParaRPr>
+                    </a:p>
+                  </a:txBody>
+                  <a:tcPr marL="121920" marR="121920" marT="60960" marB="60960" anchor="ctr"/>
+                </a:tc>
+                <a:tc>
+                  <a:txBody>
+                    <a:bodyPr/>
+                    <a:lstStyle/>
+                    <a:p>
+                      <a:pPr algn="l" latinLnBrk="1">
+                        <a:lnSpc>
+                          <a:spcPts val="1300"/>
+                        </a:lnSpc>
+                      </a:pPr>
+                      <a:endParaRPr lang="ko-KR" altLang="en-US" sz="1200" dirty="0">
+                        <a:latin typeface="+mj-ea"/>
+                        <a:ea typeface="+mj-ea"/>
+                      </a:endParaRPr>
+                    </a:p>
+                  </a:txBody>
+                  <a:tcPr marL="121920" marR="121920" marT="60960" marB="60960"/>
+                </a:tc>
+                <a:extLst>
+                  <a:ext uri="{0D108BD9-81ED-4DB2-BD59-A6C34878D82A}">
+                    <a16:rowId xmlns:a16="http://schemas.microsoft.com/office/drawing/2014/main" val="10003"/>
+                  </a:ext>
+                </a:extLst>
+              </a:tr>
+              <a:tr h="620107">
+                <a:tc>
+                  <a:txBody>
+                    <a:bodyPr/>
+                    <a:lstStyle/>
+                    <a:p>
+                      <a:pPr algn="ctr" latinLnBrk="1"/>
+                      <a:r>
+                        <a:rPr lang="en-US" altLang="ko-KR" sz="1300" dirty="0" smtClean="0">
+                          <a:latin typeface="+mj-ea"/>
+                          <a:ea typeface="+mj-ea"/>
+                        </a:rPr>
+                        <a:t>4</a:t>
+                      </a:r>
+                      <a:endParaRPr lang="ko-KR" altLang="en-US" sz="1300" dirty="0">
+                        <a:latin typeface="+mj-ea"/>
+                        <a:ea typeface="+mj-ea"/>
+                      </a:endParaRPr>
+                    </a:p>
+                  </a:txBody>
+                  <a:tcPr marL="121920" marR="121920" marT="60960" marB="60960" anchor="ctr"/>
+                </a:tc>
+                <a:tc>
+                  <a:txBody>
+                    <a:bodyPr/>
+                    <a:lstStyle/>
+                    <a:p>
+                      <a:pPr algn="l" latinLnBrk="1">
+                        <a:lnSpc>
+                          <a:spcPts val="1300"/>
+                        </a:lnSpc>
+                      </a:pPr>
+                      <a:endParaRPr lang="ko-KR" altLang="en-US" sz="1200" dirty="0">
+                        <a:latin typeface="+mj-ea"/>
+                        <a:ea typeface="+mj-ea"/>
+                      </a:endParaRPr>
+                    </a:p>
+                  </a:txBody>
+                  <a:tcPr marL="121920" marR="121920" marT="60960" marB="60960"/>
+                </a:tc>
+                <a:extLst>
+                  <a:ext uri="{0D108BD9-81ED-4DB2-BD59-A6C34878D82A}">
+                    <a16:rowId xmlns:a16="http://schemas.microsoft.com/office/drawing/2014/main" val="10004"/>
+                  </a:ext>
+                </a:extLst>
+              </a:tr>
+              <a:tr h="620107">
+                <a:tc>
+                  <a:txBody>
+                    <a:bodyPr/>
+                    <a:lstStyle/>
+                    <a:p>
+                      <a:pPr algn="ctr" latinLnBrk="1"/>
+                      <a:r>
+                        <a:rPr lang="en-US" altLang="ko-KR" sz="1300" dirty="0" smtClean="0">
+                          <a:latin typeface="+mj-ea"/>
+                          <a:ea typeface="+mj-ea"/>
+                        </a:rPr>
+                        <a:t>5</a:t>
+                      </a:r>
+                      <a:endParaRPr lang="ko-KR" altLang="en-US" sz="1300" dirty="0">
+                        <a:latin typeface="+mj-ea"/>
+                        <a:ea typeface="+mj-ea"/>
+                      </a:endParaRPr>
+                    </a:p>
+                  </a:txBody>
+                  <a:tcPr marL="121920" marR="121920" marT="60960" marB="60960" anchor="ctr"/>
+                </a:tc>
+                <a:tc>
+                  <a:txBody>
+                    <a:bodyPr/>
+                    <a:lstStyle/>
+                    <a:p>
+                      <a:pPr algn="l" latinLnBrk="1">
+                        <a:lnSpc>
+                          <a:spcPts val="1300"/>
+                        </a:lnSpc>
+                      </a:pPr>
+                      <a:endParaRPr lang="ko-KR" altLang="en-US" sz="1200" dirty="0">
+                        <a:latin typeface="+mj-ea"/>
+                        <a:ea typeface="+mj-ea"/>
+                      </a:endParaRPr>
+                    </a:p>
+                  </a:txBody>
+                  <a:tcPr marL="121920" marR="121920" marT="60960" marB="60960"/>
+                </a:tc>
+                <a:extLst>
+                  <a:ext uri="{0D108BD9-81ED-4DB2-BD59-A6C34878D82A}">
+                    <a16:rowId xmlns:a16="http://schemas.microsoft.com/office/drawing/2014/main" val="10005"/>
+                  </a:ext>
+                </a:extLst>
+              </a:tr>
+            </a:tbl>
+          </a:graphicData>
+        </a:graphic>
+      </p:graphicFrame>
+    </p:spTree>
+    <p:extLst>
+      <p:ext uri="{BB962C8B-B14F-4D97-AF65-F5344CB8AC3E}">
+        <p14:creationId xmlns:p14="http://schemas.microsoft.com/office/powerpoint/2010/main" val="438057923"/>
       </p:ext>
     </p:extLst>
   </p:cSld>
